--- a/Design Patterns.pptx
+++ b/Design Patterns.pptx
@@ -35,6 +35,16 @@
     <p:sldId id="283" r:id="rId29"/>
     <p:sldId id="284" r:id="rId30"/>
     <p:sldId id="285" r:id="rId31"/>
+    <p:sldId id="294" r:id="rId32"/>
+    <p:sldId id="286" r:id="rId33"/>
+    <p:sldId id="287" r:id="rId34"/>
+    <p:sldId id="288" r:id="rId35"/>
+    <p:sldId id="289" r:id="rId36"/>
+    <p:sldId id="290" r:id="rId37"/>
+    <p:sldId id="291" r:id="rId38"/>
+    <p:sldId id="292" r:id="rId39"/>
+    <p:sldId id="293" r:id="rId40"/>
+    <p:sldId id="295" r:id="rId41"/>
   </p:sldIdLst>
   <p:sldSz cx="12192000" cy="6858000"/>
   <p:notesSz cx="6858000" cy="9144000"/>
@@ -288,7 +298,7 @@
           <a:p>
             <a:fld id="{C3C23B56-9063-44BF-AB1A-23DF1E55C9BD}" type="datetimeFigureOut">
               <a:rPr lang="ru-RU" smtClean="0"/>
-              <a:t>28.10.2025</a:t>
+              <a:t>02.11.2025</a:t>
             </a:fld>
             <a:endParaRPr lang="ru-RU"/>
           </a:p>
@@ -486,7 +496,7 @@
           <a:p>
             <a:fld id="{C3C23B56-9063-44BF-AB1A-23DF1E55C9BD}" type="datetimeFigureOut">
               <a:rPr lang="ru-RU" smtClean="0"/>
-              <a:t>28.10.2025</a:t>
+              <a:t>02.11.2025</a:t>
             </a:fld>
             <a:endParaRPr lang="ru-RU"/>
           </a:p>
@@ -694,7 +704,7 @@
           <a:p>
             <a:fld id="{C3C23B56-9063-44BF-AB1A-23DF1E55C9BD}" type="datetimeFigureOut">
               <a:rPr lang="ru-RU" smtClean="0"/>
-              <a:t>28.10.2025</a:t>
+              <a:t>02.11.2025</a:t>
             </a:fld>
             <a:endParaRPr lang="ru-RU"/>
           </a:p>
@@ -892,7 +902,7 @@
           <a:p>
             <a:fld id="{C3C23B56-9063-44BF-AB1A-23DF1E55C9BD}" type="datetimeFigureOut">
               <a:rPr lang="ru-RU" smtClean="0"/>
-              <a:t>28.10.2025</a:t>
+              <a:t>02.11.2025</a:t>
             </a:fld>
             <a:endParaRPr lang="ru-RU"/>
           </a:p>
@@ -1167,7 +1177,7 @@
           <a:p>
             <a:fld id="{C3C23B56-9063-44BF-AB1A-23DF1E55C9BD}" type="datetimeFigureOut">
               <a:rPr lang="ru-RU" smtClean="0"/>
-              <a:t>28.10.2025</a:t>
+              <a:t>02.11.2025</a:t>
             </a:fld>
             <a:endParaRPr lang="ru-RU"/>
           </a:p>
@@ -1432,7 +1442,7 @@
           <a:p>
             <a:fld id="{C3C23B56-9063-44BF-AB1A-23DF1E55C9BD}" type="datetimeFigureOut">
               <a:rPr lang="ru-RU" smtClean="0"/>
-              <a:t>28.10.2025</a:t>
+              <a:t>02.11.2025</a:t>
             </a:fld>
             <a:endParaRPr lang="ru-RU"/>
           </a:p>
@@ -1844,7 +1854,7 @@
           <a:p>
             <a:fld id="{C3C23B56-9063-44BF-AB1A-23DF1E55C9BD}" type="datetimeFigureOut">
               <a:rPr lang="ru-RU" smtClean="0"/>
-              <a:t>28.10.2025</a:t>
+              <a:t>02.11.2025</a:t>
             </a:fld>
             <a:endParaRPr lang="ru-RU"/>
           </a:p>
@@ -1985,7 +1995,7 @@
           <a:p>
             <a:fld id="{C3C23B56-9063-44BF-AB1A-23DF1E55C9BD}" type="datetimeFigureOut">
               <a:rPr lang="ru-RU" smtClean="0"/>
-              <a:t>28.10.2025</a:t>
+              <a:t>02.11.2025</a:t>
             </a:fld>
             <a:endParaRPr lang="ru-RU"/>
           </a:p>
@@ -2098,7 +2108,7 @@
           <a:p>
             <a:fld id="{C3C23B56-9063-44BF-AB1A-23DF1E55C9BD}" type="datetimeFigureOut">
               <a:rPr lang="ru-RU" smtClean="0"/>
-              <a:t>28.10.2025</a:t>
+              <a:t>02.11.2025</a:t>
             </a:fld>
             <a:endParaRPr lang="ru-RU"/>
           </a:p>
@@ -2409,7 +2419,7 @@
           <a:p>
             <a:fld id="{C3C23B56-9063-44BF-AB1A-23DF1E55C9BD}" type="datetimeFigureOut">
               <a:rPr lang="ru-RU" smtClean="0"/>
-              <a:t>28.10.2025</a:t>
+              <a:t>02.11.2025</a:t>
             </a:fld>
             <a:endParaRPr lang="ru-RU"/>
           </a:p>
@@ -2697,7 +2707,7 @@
           <a:p>
             <a:fld id="{C3C23B56-9063-44BF-AB1A-23DF1E55C9BD}" type="datetimeFigureOut">
               <a:rPr lang="ru-RU" smtClean="0"/>
-              <a:t>28.10.2025</a:t>
+              <a:t>02.11.2025</a:t>
             </a:fld>
             <a:endParaRPr lang="ru-RU"/>
           </a:p>
@@ -2938,7 +2948,7 @@
           <a:p>
             <a:fld id="{C3C23B56-9063-44BF-AB1A-23DF1E55C9BD}" type="datetimeFigureOut">
               <a:rPr lang="ru-RU" smtClean="0"/>
-              <a:t>28.10.2025</a:t>
+              <a:t>02.11.2025</a:t>
             </a:fld>
             <a:endParaRPr lang="ru-RU"/>
           </a:p>
@@ -5586,6 +5596,795 @@
 </p:sld>
 </file>
 
+<file path=ppt/slides/slide31.xml><?xml version="1.0" encoding="utf-8"?>
+<p:sld xmlns:a="http://schemas.openxmlformats.org/drawingml/2006/main" xmlns:r="http://schemas.openxmlformats.org/officeDocument/2006/relationships" xmlns:p="http://schemas.openxmlformats.org/presentationml/2006/main">
+  <p:cSld>
+    <p:spTree>
+      <p:nvGrpSpPr>
+        <p:cNvPr id="1" name=""/>
+        <p:cNvGrpSpPr/>
+        <p:nvPr/>
+      </p:nvGrpSpPr>
+      <p:grpSpPr>
+        <a:xfrm>
+          <a:off x="0" y="0"/>
+          <a:ext cx="0" cy="0"/>
+          <a:chOff x="0" y="0"/>
+          <a:chExt cx="0" cy="0"/>
+        </a:xfrm>
+      </p:grpSpPr>
+      <p:pic>
+        <p:nvPicPr>
+          <p:cNvPr id="3" name="Рисунок 2">
+            <a:extLst>
+              <a:ext uri="{FF2B5EF4-FFF2-40B4-BE49-F238E27FC236}">
+                <a16:creationId xmlns:a16="http://schemas.microsoft.com/office/drawing/2014/main" id="{CC00D46F-9BD1-A11A-679D-D4053B8CDA90}"/>
+              </a:ext>
+            </a:extLst>
+          </p:cNvPr>
+          <p:cNvPicPr>
+            <a:picLocks noChangeAspect="1"/>
+          </p:cNvPicPr>
+          <p:nvPr/>
+        </p:nvPicPr>
+        <p:blipFill>
+          <a:blip r:embed="rId2"/>
+          <a:stretch>
+            <a:fillRect/>
+          </a:stretch>
+        </p:blipFill>
+        <p:spPr>
+          <a:xfrm>
+            <a:off x="3000375" y="1181100"/>
+            <a:ext cx="6191250" cy="5676900"/>
+          </a:xfrm>
+          <a:prstGeom prst="rect">
+            <a:avLst/>
+          </a:prstGeom>
+        </p:spPr>
+      </p:pic>
+      <p:sp>
+        <p:nvSpPr>
+          <p:cNvPr id="4" name="TextBox 3">
+            <a:extLst>
+              <a:ext uri="{FF2B5EF4-FFF2-40B4-BE49-F238E27FC236}">
+                <a16:creationId xmlns:a16="http://schemas.microsoft.com/office/drawing/2014/main" id="{1C778FA8-478C-52F1-1A64-0F94B419F83B}"/>
+              </a:ext>
+            </a:extLst>
+          </p:cNvPr>
+          <p:cNvSpPr txBox="1"/>
+          <p:nvPr/>
+        </p:nvSpPr>
+        <p:spPr>
+          <a:xfrm>
+            <a:off x="3971059" y="407963"/>
+            <a:ext cx="4249881" cy="584775"/>
+          </a:xfrm>
+          <a:prstGeom prst="rect">
+            <a:avLst/>
+          </a:prstGeom>
+          <a:noFill/>
+        </p:spPr>
+        <p:txBody>
+          <a:bodyPr wrap="none" rtlCol="0">
+            <a:spAutoFit/>
+          </a:bodyPr>
+          <a:lstStyle/>
+          <a:p>
+            <a:r>
+              <a:rPr lang="ru-RU" sz="3200" dirty="0"/>
+              <a:t>Что выводит на экран ?</a:t>
+            </a:r>
+          </a:p>
+        </p:txBody>
+      </p:sp>
+    </p:spTree>
+    <p:extLst>
+      <p:ext uri="{BB962C8B-B14F-4D97-AF65-F5344CB8AC3E}">
+        <p14:creationId xmlns:p14="http://schemas.microsoft.com/office/powerpoint/2010/main" val="61824822"/>
+      </p:ext>
+    </p:extLst>
+  </p:cSld>
+  <p:clrMapOvr>
+    <a:masterClrMapping/>
+  </p:clrMapOvr>
+</p:sld>
+</file>
+
+<file path=ppt/slides/slide32.xml><?xml version="1.0" encoding="utf-8"?>
+<p:sld xmlns:a="http://schemas.openxmlformats.org/drawingml/2006/main" xmlns:r="http://schemas.openxmlformats.org/officeDocument/2006/relationships" xmlns:p="http://schemas.openxmlformats.org/presentationml/2006/main">
+  <p:cSld>
+    <p:spTree>
+      <p:nvGrpSpPr>
+        <p:cNvPr id="1" name=""/>
+        <p:cNvGrpSpPr/>
+        <p:nvPr/>
+      </p:nvGrpSpPr>
+      <p:grpSpPr>
+        <a:xfrm>
+          <a:off x="0" y="0"/>
+          <a:ext cx="0" cy="0"/>
+          <a:chOff x="0" y="0"/>
+          <a:chExt cx="0" cy="0"/>
+        </a:xfrm>
+      </p:grpSpPr>
+      <p:pic>
+        <p:nvPicPr>
+          <p:cNvPr id="3" name="Рисунок 2">
+            <a:extLst>
+              <a:ext uri="{FF2B5EF4-FFF2-40B4-BE49-F238E27FC236}">
+                <a16:creationId xmlns:a16="http://schemas.microsoft.com/office/drawing/2014/main" id="{5DA44F5F-82F3-D651-52AA-343EC4F0E597}"/>
+              </a:ext>
+            </a:extLst>
+          </p:cNvPr>
+          <p:cNvPicPr>
+            <a:picLocks noChangeAspect="1"/>
+          </p:cNvPicPr>
+          <p:nvPr/>
+        </p:nvPicPr>
+        <p:blipFill>
+          <a:blip r:embed="rId2"/>
+          <a:stretch>
+            <a:fillRect/>
+          </a:stretch>
+        </p:blipFill>
+        <p:spPr>
+          <a:xfrm>
+            <a:off x="1461199" y="302452"/>
+            <a:ext cx="9635362" cy="4846324"/>
+          </a:xfrm>
+          <a:prstGeom prst="rect">
+            <a:avLst/>
+          </a:prstGeom>
+        </p:spPr>
+      </p:pic>
+      <p:pic>
+        <p:nvPicPr>
+          <p:cNvPr id="5" name="Рисунок 4">
+            <a:extLst>
+              <a:ext uri="{FF2B5EF4-FFF2-40B4-BE49-F238E27FC236}">
+                <a16:creationId xmlns:a16="http://schemas.microsoft.com/office/drawing/2014/main" id="{5CAAE455-3955-56C2-114F-E09A2915C2A6}"/>
+              </a:ext>
+            </a:extLst>
+          </p:cNvPr>
+          <p:cNvPicPr>
+            <a:picLocks noChangeAspect="1"/>
+          </p:cNvPicPr>
+          <p:nvPr/>
+        </p:nvPicPr>
+        <p:blipFill>
+          <a:blip r:embed="rId3"/>
+          <a:stretch>
+            <a:fillRect/>
+          </a:stretch>
+        </p:blipFill>
+        <p:spPr>
+          <a:xfrm>
+            <a:off x="3709654" y="4945598"/>
+            <a:ext cx="4772691" cy="1609950"/>
+          </a:xfrm>
+          <a:prstGeom prst="rect">
+            <a:avLst/>
+          </a:prstGeom>
+        </p:spPr>
+      </p:pic>
+    </p:spTree>
+    <p:extLst>
+      <p:ext uri="{BB962C8B-B14F-4D97-AF65-F5344CB8AC3E}">
+        <p14:creationId xmlns:p14="http://schemas.microsoft.com/office/powerpoint/2010/main" val="1277899680"/>
+      </p:ext>
+    </p:extLst>
+  </p:cSld>
+  <p:clrMapOvr>
+    <a:masterClrMapping/>
+  </p:clrMapOvr>
+</p:sld>
+</file>
+
+<file path=ppt/slides/slide33.xml><?xml version="1.0" encoding="utf-8"?>
+<p:sld xmlns:a="http://schemas.openxmlformats.org/drawingml/2006/main" xmlns:r="http://schemas.openxmlformats.org/officeDocument/2006/relationships" xmlns:p="http://schemas.openxmlformats.org/presentationml/2006/main">
+  <p:cSld>
+    <p:spTree>
+      <p:nvGrpSpPr>
+        <p:cNvPr id="1" name=""/>
+        <p:cNvGrpSpPr/>
+        <p:nvPr/>
+      </p:nvGrpSpPr>
+      <p:grpSpPr>
+        <a:xfrm>
+          <a:off x="0" y="0"/>
+          <a:ext cx="0" cy="0"/>
+          <a:chOff x="0" y="0"/>
+          <a:chExt cx="0" cy="0"/>
+        </a:xfrm>
+      </p:grpSpPr>
+      <p:sp>
+        <p:nvSpPr>
+          <p:cNvPr id="3" name="Объект 2">
+            <a:extLst>
+              <a:ext uri="{FF2B5EF4-FFF2-40B4-BE49-F238E27FC236}">
+                <a16:creationId xmlns:a16="http://schemas.microsoft.com/office/drawing/2014/main" id="{05EC59D3-941C-18F7-190F-6AFFDC8E700F}"/>
+              </a:ext>
+            </a:extLst>
+          </p:cNvPr>
+          <p:cNvSpPr>
+            <a:spLocks noGrp="1"/>
+          </p:cNvSpPr>
+          <p:nvPr>
+            <p:ph idx="1"/>
+          </p:nvPr>
+        </p:nvSpPr>
+        <p:spPr>
+          <a:xfrm>
+            <a:off x="838199" y="376653"/>
+            <a:ext cx="10515600" cy="1269267"/>
+          </a:xfrm>
+        </p:spPr>
+        <p:txBody>
+          <a:bodyPr/>
+          <a:lstStyle/>
+          <a:p>
+            <a:pPr marL="0" indent="0">
+              <a:buNone/>
+            </a:pPr>
+            <a:r>
+              <a:rPr lang="ru-RU" dirty="0"/>
+              <a:t>Одиночка — это порождающий паттерн проектирования, который гарантирует, что у класса есть только один экземпляр, и предоставляет к нему глобальную точку доступа. </a:t>
+            </a:r>
+          </a:p>
+        </p:txBody>
+      </p:sp>
+      <p:pic>
+        <p:nvPicPr>
+          <p:cNvPr id="5" name="Рисунок 4">
+            <a:extLst>
+              <a:ext uri="{FF2B5EF4-FFF2-40B4-BE49-F238E27FC236}">
+                <a16:creationId xmlns:a16="http://schemas.microsoft.com/office/drawing/2014/main" id="{6CD5711E-09E2-1071-8C97-5F5B52ECC224}"/>
+              </a:ext>
+            </a:extLst>
+          </p:cNvPr>
+          <p:cNvPicPr>
+            <a:picLocks noChangeAspect="1"/>
+          </p:cNvPicPr>
+          <p:nvPr/>
+        </p:nvPicPr>
+        <p:blipFill>
+          <a:blip r:embed="rId2"/>
+          <a:stretch>
+            <a:fillRect/>
+          </a:stretch>
+        </p:blipFill>
+        <p:spPr>
+          <a:xfrm>
+            <a:off x="2066362" y="1765837"/>
+            <a:ext cx="8059275" cy="4858428"/>
+          </a:xfrm>
+          <a:prstGeom prst="rect">
+            <a:avLst/>
+          </a:prstGeom>
+        </p:spPr>
+      </p:pic>
+    </p:spTree>
+    <p:extLst>
+      <p:ext uri="{BB962C8B-B14F-4D97-AF65-F5344CB8AC3E}">
+        <p14:creationId xmlns:p14="http://schemas.microsoft.com/office/powerpoint/2010/main" val="3303531272"/>
+      </p:ext>
+    </p:extLst>
+  </p:cSld>
+  <p:clrMapOvr>
+    <a:masterClrMapping/>
+  </p:clrMapOvr>
+</p:sld>
+</file>
+
+<file path=ppt/slides/slide34.xml><?xml version="1.0" encoding="utf-8"?>
+<p:sld xmlns:a="http://schemas.openxmlformats.org/drawingml/2006/main" xmlns:r="http://schemas.openxmlformats.org/officeDocument/2006/relationships" xmlns:p="http://schemas.openxmlformats.org/presentationml/2006/main">
+  <p:cSld>
+    <p:spTree>
+      <p:nvGrpSpPr>
+        <p:cNvPr id="1" name=""/>
+        <p:cNvGrpSpPr/>
+        <p:nvPr/>
+      </p:nvGrpSpPr>
+      <p:grpSpPr>
+        <a:xfrm>
+          <a:off x="0" y="0"/>
+          <a:ext cx="0" cy="0"/>
+          <a:chOff x="0" y="0"/>
+          <a:chExt cx="0" cy="0"/>
+        </a:xfrm>
+      </p:grpSpPr>
+      <p:sp>
+        <p:nvSpPr>
+          <p:cNvPr id="2" name="Заголовок 1">
+            <a:extLst>
+              <a:ext uri="{FF2B5EF4-FFF2-40B4-BE49-F238E27FC236}">
+                <a16:creationId xmlns:a16="http://schemas.microsoft.com/office/drawing/2014/main" id="{B358A042-A37C-64A8-485F-94218F4574F9}"/>
+              </a:ext>
+            </a:extLst>
+          </p:cNvPr>
+          <p:cNvSpPr>
+            <a:spLocks noGrp="1"/>
+          </p:cNvSpPr>
+          <p:nvPr>
+            <p:ph type="title"/>
+          </p:nvPr>
+        </p:nvSpPr>
+        <p:spPr/>
+        <p:txBody>
+          <a:bodyPr/>
+          <a:lstStyle/>
+          <a:p>
+            <a:r>
+              <a:rPr lang="ru-RU" dirty="0"/>
+              <a:t>Проблема</a:t>
+            </a:r>
+          </a:p>
+        </p:txBody>
+      </p:sp>
+      <p:sp>
+        <p:nvSpPr>
+          <p:cNvPr id="3" name="Объект 2">
+            <a:extLst>
+              <a:ext uri="{FF2B5EF4-FFF2-40B4-BE49-F238E27FC236}">
+                <a16:creationId xmlns:a16="http://schemas.microsoft.com/office/drawing/2014/main" id="{291BA66D-209F-25B9-F6AA-C4A0F7F4A26F}"/>
+              </a:ext>
+            </a:extLst>
+          </p:cNvPr>
+          <p:cNvSpPr>
+            <a:spLocks noGrp="1"/>
+          </p:cNvSpPr>
+          <p:nvPr>
+            <p:ph idx="1"/>
+          </p:nvPr>
+        </p:nvSpPr>
+        <p:spPr/>
+        <p:txBody>
+          <a:bodyPr/>
+          <a:lstStyle/>
+          <a:p>
+            <a:pPr marL="514350" indent="-514350">
+              <a:buFont typeface="+mj-lt"/>
+              <a:buAutoNum type="arabicPeriod"/>
+            </a:pPr>
+            <a:r>
+              <a:rPr lang="ru-RU" dirty="0"/>
+              <a:t>Гарантирует наличие единственного экземпляра класса.</a:t>
+            </a:r>
+          </a:p>
+          <a:p>
+            <a:pPr marL="514350" indent="-514350">
+              <a:buFont typeface="+mj-lt"/>
+              <a:buAutoNum type="arabicPeriod"/>
+            </a:pPr>
+            <a:r>
+              <a:rPr lang="ru-RU" dirty="0"/>
+              <a:t>Предоставляет глобальную точку доступа. </a:t>
+            </a:r>
+          </a:p>
+        </p:txBody>
+      </p:sp>
+    </p:spTree>
+    <p:extLst>
+      <p:ext uri="{BB962C8B-B14F-4D97-AF65-F5344CB8AC3E}">
+        <p14:creationId xmlns:p14="http://schemas.microsoft.com/office/powerpoint/2010/main" val="3340194388"/>
+      </p:ext>
+    </p:extLst>
+  </p:cSld>
+  <p:clrMapOvr>
+    <a:masterClrMapping/>
+  </p:clrMapOvr>
+</p:sld>
+</file>
+
+<file path=ppt/slides/slide35.xml><?xml version="1.0" encoding="utf-8"?>
+<p:sld xmlns:a="http://schemas.openxmlformats.org/drawingml/2006/main" xmlns:r="http://schemas.openxmlformats.org/officeDocument/2006/relationships" xmlns:p="http://schemas.openxmlformats.org/presentationml/2006/main">
+  <p:cSld>
+    <p:spTree>
+      <p:nvGrpSpPr>
+        <p:cNvPr id="1" name=""/>
+        <p:cNvGrpSpPr/>
+        <p:nvPr/>
+      </p:nvGrpSpPr>
+      <p:grpSpPr>
+        <a:xfrm>
+          <a:off x="0" y="0"/>
+          <a:ext cx="0" cy="0"/>
+          <a:chOff x="0" y="0"/>
+          <a:chExt cx="0" cy="0"/>
+        </a:xfrm>
+      </p:grpSpPr>
+      <p:sp>
+        <p:nvSpPr>
+          <p:cNvPr id="2" name="Заголовок 1">
+            <a:extLst>
+              <a:ext uri="{FF2B5EF4-FFF2-40B4-BE49-F238E27FC236}">
+                <a16:creationId xmlns:a16="http://schemas.microsoft.com/office/drawing/2014/main" id="{AD955241-5B11-B61F-311A-C92CFF3CC868}"/>
+              </a:ext>
+            </a:extLst>
+          </p:cNvPr>
+          <p:cNvSpPr>
+            <a:spLocks noGrp="1"/>
+          </p:cNvSpPr>
+          <p:nvPr>
+            <p:ph type="title"/>
+          </p:nvPr>
+        </p:nvSpPr>
+        <p:spPr/>
+        <p:txBody>
+          <a:bodyPr/>
+          <a:lstStyle/>
+          <a:p>
+            <a:r>
+              <a:rPr lang="ru-RU" dirty="0"/>
+              <a:t>Аналогия из жизни</a:t>
+            </a:r>
+          </a:p>
+        </p:txBody>
+      </p:sp>
+      <p:sp>
+        <p:nvSpPr>
+          <p:cNvPr id="3" name="Объект 2">
+            <a:extLst>
+              <a:ext uri="{FF2B5EF4-FFF2-40B4-BE49-F238E27FC236}">
+                <a16:creationId xmlns:a16="http://schemas.microsoft.com/office/drawing/2014/main" id="{FEDFD29D-682B-0E95-C8D1-4BA96E0B8232}"/>
+              </a:ext>
+            </a:extLst>
+          </p:cNvPr>
+          <p:cNvSpPr>
+            <a:spLocks noGrp="1"/>
+          </p:cNvSpPr>
+          <p:nvPr>
+            <p:ph idx="1"/>
+          </p:nvPr>
+        </p:nvSpPr>
+        <p:spPr/>
+        <p:txBody>
+          <a:bodyPr/>
+          <a:lstStyle/>
+          <a:p>
+            <a:pPr marL="0" indent="0">
+              <a:buNone/>
+            </a:pPr>
+            <a:r>
+              <a:rPr lang="ru-RU" dirty="0"/>
+              <a:t>Правительство государства — хороший пример одиночки. В государстве может быть только одно официальное правительство. Вне зависимости от того, кто конкретно заседает в правительстве, оно имеет глобальную точку доступа «Правительство страны N». </a:t>
+            </a:r>
+          </a:p>
+        </p:txBody>
+      </p:sp>
+    </p:spTree>
+    <p:extLst>
+      <p:ext uri="{BB962C8B-B14F-4D97-AF65-F5344CB8AC3E}">
+        <p14:creationId xmlns:p14="http://schemas.microsoft.com/office/powerpoint/2010/main" val="127667337"/>
+      </p:ext>
+    </p:extLst>
+  </p:cSld>
+  <p:clrMapOvr>
+    <a:masterClrMapping/>
+  </p:clrMapOvr>
+</p:sld>
+</file>
+
+<file path=ppt/slides/slide36.xml><?xml version="1.0" encoding="utf-8"?>
+<p:sld xmlns:a="http://schemas.openxmlformats.org/drawingml/2006/main" xmlns:r="http://schemas.openxmlformats.org/officeDocument/2006/relationships" xmlns:p="http://schemas.openxmlformats.org/presentationml/2006/main">
+  <p:cSld>
+    <p:spTree>
+      <p:nvGrpSpPr>
+        <p:cNvPr id="1" name=""/>
+        <p:cNvGrpSpPr/>
+        <p:nvPr/>
+      </p:nvGrpSpPr>
+      <p:grpSpPr>
+        <a:xfrm>
+          <a:off x="0" y="0"/>
+          <a:ext cx="0" cy="0"/>
+          <a:chOff x="0" y="0"/>
+          <a:chExt cx="0" cy="0"/>
+        </a:xfrm>
+      </p:grpSpPr>
+      <p:sp>
+        <p:nvSpPr>
+          <p:cNvPr id="2" name="Заголовок 1">
+            <a:extLst>
+              <a:ext uri="{FF2B5EF4-FFF2-40B4-BE49-F238E27FC236}">
+                <a16:creationId xmlns:a16="http://schemas.microsoft.com/office/drawing/2014/main" id="{58F2BEB5-7280-5351-CFB5-99793DB41613}"/>
+              </a:ext>
+            </a:extLst>
+          </p:cNvPr>
+          <p:cNvSpPr>
+            <a:spLocks noGrp="1"/>
+          </p:cNvSpPr>
+          <p:nvPr>
+            <p:ph type="title"/>
+          </p:nvPr>
+        </p:nvSpPr>
+        <p:spPr/>
+        <p:txBody>
+          <a:bodyPr/>
+          <a:lstStyle/>
+          <a:p>
+            <a:r>
+              <a:rPr lang="ru-RU"/>
+              <a:t>Структура</a:t>
+            </a:r>
+          </a:p>
+        </p:txBody>
+      </p:sp>
+      <p:pic>
+        <p:nvPicPr>
+          <p:cNvPr id="5" name="Рисунок 4">
+            <a:extLst>
+              <a:ext uri="{FF2B5EF4-FFF2-40B4-BE49-F238E27FC236}">
+                <a16:creationId xmlns:a16="http://schemas.microsoft.com/office/drawing/2014/main" id="{9CB9F762-259F-A926-1B10-CF05E7F14AB6}"/>
+              </a:ext>
+            </a:extLst>
+          </p:cNvPr>
+          <p:cNvPicPr>
+            <a:picLocks noChangeAspect="1"/>
+          </p:cNvPicPr>
+          <p:nvPr/>
+        </p:nvPicPr>
+        <p:blipFill>
+          <a:blip r:embed="rId2"/>
+          <a:stretch>
+            <a:fillRect/>
+          </a:stretch>
+        </p:blipFill>
+        <p:spPr>
+          <a:xfrm>
+            <a:off x="2343761" y="1299192"/>
+            <a:ext cx="7504478" cy="5193684"/>
+          </a:xfrm>
+          <a:prstGeom prst="rect">
+            <a:avLst/>
+          </a:prstGeom>
+        </p:spPr>
+      </p:pic>
+    </p:spTree>
+    <p:extLst>
+      <p:ext uri="{BB962C8B-B14F-4D97-AF65-F5344CB8AC3E}">
+        <p14:creationId xmlns:p14="http://schemas.microsoft.com/office/powerpoint/2010/main" val="3016500195"/>
+      </p:ext>
+    </p:extLst>
+  </p:cSld>
+  <p:clrMapOvr>
+    <a:masterClrMapping/>
+  </p:clrMapOvr>
+</p:sld>
+</file>
+
+<file path=ppt/slides/slide37.xml><?xml version="1.0" encoding="utf-8"?>
+<p:sld xmlns:a="http://schemas.openxmlformats.org/drawingml/2006/main" xmlns:r="http://schemas.openxmlformats.org/officeDocument/2006/relationships" xmlns:p="http://schemas.openxmlformats.org/presentationml/2006/main">
+  <p:cSld>
+    <p:spTree>
+      <p:nvGrpSpPr>
+        <p:cNvPr id="1" name=""/>
+        <p:cNvGrpSpPr/>
+        <p:nvPr/>
+      </p:nvGrpSpPr>
+      <p:grpSpPr>
+        <a:xfrm>
+          <a:off x="0" y="0"/>
+          <a:ext cx="0" cy="0"/>
+          <a:chOff x="0" y="0"/>
+          <a:chExt cx="0" cy="0"/>
+        </a:xfrm>
+      </p:grpSpPr>
+      <p:pic>
+        <p:nvPicPr>
+          <p:cNvPr id="1026" name="Picture 2" descr="Python Metaclasses and Metaprogramming">
+            <a:extLst>
+              <a:ext uri="{FF2B5EF4-FFF2-40B4-BE49-F238E27FC236}">
+                <a16:creationId xmlns:a16="http://schemas.microsoft.com/office/drawing/2014/main" id="{1DB1458A-5E71-44CE-4283-75367E9409ED}"/>
+              </a:ext>
+            </a:extLst>
+          </p:cNvPr>
+          <p:cNvPicPr>
+            <a:picLocks noChangeAspect="1" noChangeArrowheads="1"/>
+          </p:cNvPicPr>
+          <p:nvPr/>
+        </p:nvPicPr>
+        <p:blipFill>
+          <a:blip r:embed="rId2">
+            <a:extLst>
+              <a:ext uri="{28A0092B-C50C-407E-A947-70E740481C1C}">
+                <a14:useLocalDpi xmlns:a14="http://schemas.microsoft.com/office/drawing/2010/main" val="0"/>
+              </a:ext>
+            </a:extLst>
+          </a:blip>
+          <a:srcRect/>
+          <a:stretch>
+            <a:fillRect/>
+          </a:stretch>
+        </p:blipFill>
+        <p:spPr bwMode="auto">
+          <a:xfrm>
+            <a:off x="0" y="0"/>
+            <a:ext cx="12192000" cy="6858000"/>
+          </a:xfrm>
+          <a:prstGeom prst="rect">
+            <a:avLst/>
+          </a:prstGeom>
+          <a:noFill/>
+          <a:extLst>
+            <a:ext uri="{909E8E84-426E-40DD-AFC4-6F175D3DCCD1}">
+              <a14:hiddenFill xmlns:a14="http://schemas.microsoft.com/office/drawing/2010/main">
+                <a:solidFill>
+                  <a:srgbClr val="FFFFFF"/>
+                </a:solidFill>
+              </a14:hiddenFill>
+            </a:ext>
+          </a:extLst>
+        </p:spPr>
+      </p:pic>
+    </p:spTree>
+    <p:extLst>
+      <p:ext uri="{BB962C8B-B14F-4D97-AF65-F5344CB8AC3E}">
+        <p14:creationId xmlns:p14="http://schemas.microsoft.com/office/powerpoint/2010/main" val="1582806668"/>
+      </p:ext>
+    </p:extLst>
+  </p:cSld>
+  <p:clrMapOvr>
+    <a:masterClrMapping/>
+  </p:clrMapOvr>
+</p:sld>
+</file>
+
+<file path=ppt/slides/slide38.xml><?xml version="1.0" encoding="utf-8"?>
+<p:sld xmlns:a="http://schemas.openxmlformats.org/drawingml/2006/main" xmlns:r="http://schemas.openxmlformats.org/officeDocument/2006/relationships" xmlns:p="http://schemas.openxmlformats.org/presentationml/2006/main">
+  <p:cSld>
+    <p:spTree>
+      <p:nvGrpSpPr>
+        <p:cNvPr id="1" name=""/>
+        <p:cNvGrpSpPr/>
+        <p:nvPr/>
+      </p:nvGrpSpPr>
+      <p:grpSpPr>
+        <a:xfrm>
+          <a:off x="0" y="0"/>
+          <a:ext cx="0" cy="0"/>
+          <a:chOff x="0" y="0"/>
+          <a:chExt cx="0" cy="0"/>
+        </a:xfrm>
+      </p:grpSpPr>
+      <p:pic>
+        <p:nvPicPr>
+          <p:cNvPr id="2050" name="Picture 2" descr="Metaprogramming with Metaclasses in Python - GeeksforGeeks">
+            <a:extLst>
+              <a:ext uri="{FF2B5EF4-FFF2-40B4-BE49-F238E27FC236}">
+                <a16:creationId xmlns:a16="http://schemas.microsoft.com/office/drawing/2014/main" id="{FF644DF5-2FE3-FD1D-CE73-833E2D719345}"/>
+              </a:ext>
+            </a:extLst>
+          </p:cNvPr>
+          <p:cNvPicPr>
+            <a:picLocks noChangeAspect="1" noChangeArrowheads="1"/>
+          </p:cNvPicPr>
+          <p:nvPr/>
+        </p:nvPicPr>
+        <p:blipFill>
+          <a:blip r:embed="rId2">
+            <a:extLst>
+              <a:ext uri="{28A0092B-C50C-407E-A947-70E740481C1C}">
+                <a14:useLocalDpi xmlns:a14="http://schemas.microsoft.com/office/drawing/2010/main" val="0"/>
+              </a:ext>
+            </a:extLst>
+          </a:blip>
+          <a:srcRect/>
+          <a:stretch>
+            <a:fillRect/>
+          </a:stretch>
+        </p:blipFill>
+        <p:spPr bwMode="auto">
+          <a:xfrm>
+            <a:off x="1219200" y="1666875"/>
+            <a:ext cx="9753600" cy="3524250"/>
+          </a:xfrm>
+          <a:prstGeom prst="rect">
+            <a:avLst/>
+          </a:prstGeom>
+          <a:noFill/>
+          <a:extLst>
+            <a:ext uri="{909E8E84-426E-40DD-AFC4-6F175D3DCCD1}">
+              <a14:hiddenFill xmlns:a14="http://schemas.microsoft.com/office/drawing/2010/main">
+                <a:solidFill>
+                  <a:srgbClr val="FFFFFF"/>
+                </a:solidFill>
+              </a14:hiddenFill>
+            </a:ext>
+          </a:extLst>
+        </p:spPr>
+      </p:pic>
+    </p:spTree>
+    <p:extLst>
+      <p:ext uri="{BB962C8B-B14F-4D97-AF65-F5344CB8AC3E}">
+        <p14:creationId xmlns:p14="http://schemas.microsoft.com/office/powerpoint/2010/main" val="3502884954"/>
+      </p:ext>
+    </p:extLst>
+  </p:cSld>
+  <p:clrMapOvr>
+    <a:masterClrMapping/>
+  </p:clrMapOvr>
+</p:sld>
+</file>
+
+<file path=ppt/slides/slide39.xml><?xml version="1.0" encoding="utf-8"?>
+<p:sld xmlns:a="http://schemas.openxmlformats.org/drawingml/2006/main" xmlns:r="http://schemas.openxmlformats.org/officeDocument/2006/relationships" xmlns:p="http://schemas.openxmlformats.org/presentationml/2006/main">
+  <p:cSld>
+    <p:spTree>
+      <p:nvGrpSpPr>
+        <p:cNvPr id="1" name=""/>
+        <p:cNvGrpSpPr/>
+        <p:nvPr/>
+      </p:nvGrpSpPr>
+      <p:grpSpPr>
+        <a:xfrm>
+          <a:off x="0" y="0"/>
+          <a:ext cx="0" cy="0"/>
+          <a:chOff x="0" y="0"/>
+          <a:chExt cx="0" cy="0"/>
+        </a:xfrm>
+      </p:grpSpPr>
+      <p:pic>
+        <p:nvPicPr>
+          <p:cNvPr id="3074" name="Picture 2" descr="Introduction to Python Metaclass | Python Programming Tutorial | Edureka">
+            <a:extLst>
+              <a:ext uri="{FF2B5EF4-FFF2-40B4-BE49-F238E27FC236}">
+                <a16:creationId xmlns:a16="http://schemas.microsoft.com/office/drawing/2014/main" id="{C98FB8FD-F8EA-26EF-F9CD-CA8712948367}"/>
+              </a:ext>
+            </a:extLst>
+          </p:cNvPr>
+          <p:cNvPicPr>
+            <a:picLocks noChangeAspect="1" noChangeArrowheads="1"/>
+          </p:cNvPicPr>
+          <p:nvPr/>
+        </p:nvPicPr>
+        <p:blipFill>
+          <a:blip r:embed="rId2">
+            <a:extLst>
+              <a:ext uri="{28A0092B-C50C-407E-A947-70E740481C1C}">
+                <a14:useLocalDpi xmlns:a14="http://schemas.microsoft.com/office/drawing/2010/main" val="0"/>
+              </a:ext>
+            </a:extLst>
+          </a:blip>
+          <a:srcRect/>
+          <a:stretch>
+            <a:fillRect/>
+          </a:stretch>
+        </p:blipFill>
+        <p:spPr bwMode="auto">
+          <a:xfrm>
+            <a:off x="1048135" y="1188721"/>
+            <a:ext cx="10095730" cy="4480560"/>
+          </a:xfrm>
+          <a:prstGeom prst="rect">
+            <a:avLst/>
+          </a:prstGeom>
+          <a:noFill/>
+          <a:extLst>
+            <a:ext uri="{909E8E84-426E-40DD-AFC4-6F175D3DCCD1}">
+              <a14:hiddenFill xmlns:a14="http://schemas.microsoft.com/office/drawing/2010/main">
+                <a:solidFill>
+                  <a:srgbClr val="FFFFFF"/>
+                </a:solidFill>
+              </a14:hiddenFill>
+            </a:ext>
+          </a:extLst>
+        </p:spPr>
+      </p:pic>
+    </p:spTree>
+    <p:extLst>
+      <p:ext uri="{BB962C8B-B14F-4D97-AF65-F5344CB8AC3E}">
+        <p14:creationId xmlns:p14="http://schemas.microsoft.com/office/powerpoint/2010/main" val="1319150705"/>
+      </p:ext>
+    </p:extLst>
+  </p:cSld>
+  <p:clrMapOvr>
+    <a:masterClrMapping/>
+  </p:clrMapOvr>
+</p:sld>
+</file>
+
 <file path=ppt/slides/slide4.xml><?xml version="1.0" encoding="utf-8"?>
 <p:sld xmlns:a="http://schemas.openxmlformats.org/drawingml/2006/main" xmlns:r="http://schemas.openxmlformats.org/officeDocument/2006/relationships" xmlns:p="http://schemas.openxmlformats.org/presentationml/2006/main">
   <p:cSld>
@@ -5769,6 +6568,66 @@
     <p:extLst>
       <p:ext uri="{BB962C8B-B14F-4D97-AF65-F5344CB8AC3E}">
         <p14:creationId xmlns:p14="http://schemas.microsoft.com/office/powerpoint/2010/main" val="3022234327"/>
+      </p:ext>
+    </p:extLst>
+  </p:cSld>
+  <p:clrMapOvr>
+    <a:masterClrMapping/>
+  </p:clrMapOvr>
+</p:sld>
+</file>
+
+<file path=ppt/slides/slide40.xml><?xml version="1.0" encoding="utf-8"?>
+<p:sld xmlns:a="http://schemas.openxmlformats.org/drawingml/2006/main" xmlns:r="http://schemas.openxmlformats.org/officeDocument/2006/relationships" xmlns:p="http://schemas.openxmlformats.org/presentationml/2006/main">
+  <p:cSld>
+    <p:spTree>
+      <p:nvGrpSpPr>
+        <p:cNvPr id="1" name=""/>
+        <p:cNvGrpSpPr/>
+        <p:nvPr/>
+      </p:nvGrpSpPr>
+      <p:grpSpPr>
+        <a:xfrm>
+          <a:off x="0" y="0"/>
+          <a:ext cx="0" cy="0"/>
+          <a:chOff x="0" y="0"/>
+          <a:chExt cx="0" cy="0"/>
+        </a:xfrm>
+      </p:grpSpPr>
+      <p:pic>
+        <p:nvPicPr>
+          <p:cNvPr id="3" name="Рисунок 2">
+            <a:extLst>
+              <a:ext uri="{FF2B5EF4-FFF2-40B4-BE49-F238E27FC236}">
+                <a16:creationId xmlns:a16="http://schemas.microsoft.com/office/drawing/2014/main" id="{1F4F3CBA-A6F4-2790-3B06-9167D3B55F15}"/>
+              </a:ext>
+            </a:extLst>
+          </p:cNvPr>
+          <p:cNvPicPr>
+            <a:picLocks noChangeAspect="1"/>
+          </p:cNvPicPr>
+          <p:nvPr/>
+        </p:nvPicPr>
+        <p:blipFill>
+          <a:blip r:embed="rId2"/>
+          <a:stretch>
+            <a:fillRect/>
+          </a:stretch>
+        </p:blipFill>
+        <p:spPr>
+          <a:xfrm>
+            <a:off x="0" y="867578"/>
+            <a:ext cx="12192000" cy="5122843"/>
+          </a:xfrm>
+          <a:prstGeom prst="rect">
+            <a:avLst/>
+          </a:prstGeom>
+        </p:spPr>
+      </p:pic>
+    </p:spTree>
+    <p:extLst>
+      <p:ext uri="{BB962C8B-B14F-4D97-AF65-F5344CB8AC3E}">
+        <p14:creationId xmlns:p14="http://schemas.microsoft.com/office/powerpoint/2010/main" val="634139811"/>
       </p:ext>
     </p:extLst>
   </p:cSld>
